--- a/wosc3/presentations/panel-peckjon-Future-of-Serverless-in-industry-and-Academia-WoSC.pptx
+++ b/wosc3/presentations/panel-peckjon-Future-of-Serverless-in-industry-and-Academia-WoSC.pptx
@@ -16150,7 +16150,7 @@
         </p:nvSpPr>
         <p:spPr>
           <a:xfrm>
-            <a:off x="139729" y="903730"/>
+            <a:off x="139729" y="780310"/>
             <a:ext cx="4516417" cy="2739211"/>
           </a:xfrm>
           <a:prstGeom prst="rect">
@@ -16259,8 +16259,8 @@
         </p:nvSpPr>
         <p:spPr>
           <a:xfrm>
-            <a:off x="4656146" y="900490"/>
-            <a:ext cx="4333854" cy="2769989"/>
+            <a:off x="4656146" y="777070"/>
+            <a:ext cx="4333854" cy="3200876"/>
           </a:xfrm>
           <a:prstGeom prst="rect">
             <a:avLst/>
@@ -16315,6 +16315,28 @@
               <a:buChar char="•"/>
             </a:pPr>
             <a:r>
+              <a:rPr lang="en-US" dirty="0"/>
+              <a:t>Z</a:t>
+            </a:r>
+            <a:r>
+              <a:rPr lang="en-US" dirty="0" smtClean="0"/>
+              <a:t>ero-setup access to all </a:t>
+            </a:r>
+            <a:r>
+              <a:rPr lang="en-US" dirty="0" err="1" smtClean="0"/>
+              <a:t>langs</a:t>
+            </a:r>
+            <a:r>
+              <a:rPr lang="en-US" dirty="0" smtClean="0"/>
+              <a:t> / most frameworks</a:t>
+            </a:r>
+          </a:p>
+          <a:p>
+            <a:pPr marL="285750" indent="-285750">
+              <a:buFont typeface="Arial" charset="0"/>
+              <a:buChar char="•"/>
+            </a:pPr>
+            <a:r>
               <a:rPr lang="en-US" dirty="0" smtClean="0"/>
               <a:t>Open Execution as important as Open Source</a:t>
             </a:r>
@@ -16358,8 +16380,23 @@
             </a:pPr>
             <a:r>
               <a:rPr lang="en-US" dirty="0" smtClean="0"/>
-              <a:t>Natural sharing of their research in immediately usable, executable form</a:t>
+              <a:t>Natural sharing of their research in immediately usable, executable </a:t>
             </a:r>
+            <a:r>
+              <a:rPr lang="en-US" dirty="0" smtClean="0"/>
+              <a:t>form</a:t>
+            </a:r>
+          </a:p>
+          <a:p>
+            <a:pPr marL="285750" indent="-285750">
+              <a:buFont typeface="Arial" charset="0"/>
+              <a:buChar char="•"/>
+            </a:pPr>
+            <a:r>
+              <a:rPr lang="en-US" dirty="0" smtClean="0"/>
+              <a:t>Easily build on others’ work</a:t>
+            </a:r>
+            <a:endParaRPr lang="en-US" dirty="0" smtClean="0"/>
           </a:p>
         </p:txBody>
       </p:sp>
